--- a/Infolabor_Präsentation.pptx
+++ b/Infolabor_Präsentation.pptx
@@ -121,11 +121,9 @@
 <file path=ppt/revisionInfo.xml><?xml version="1.0" encoding="utf-8"?>
 <p1510:revInfo xmlns:a="http://schemas.openxmlformats.org/drawingml/2006/main" xmlns:r="http://schemas.openxmlformats.org/officeDocument/2006/relationships" xmlns:p1510="http://schemas.microsoft.com/office/powerpoint/2015/10/main">
   <p1510:revLst>
-    <p1510:client id="{0A0EF04F-45B0-4E18-BED8-24DA1FF211BE}" v="4" dt="2021-11-23T15:50:06.543"/>
+    <p1510:client id="{2F7D7AA5-C9B2-A5C5-B698-3ACEA8504D3F}" v="51" dt="2021-12-13T08:54:01.720"/>
+    <p1510:client id="{7A2CC822-B4D4-4031-8FE1-B2BF5BC9EA65}" v="59" dt="2021-12-13T13:14:41.538"/>
     <p1510:client id="{902BFA67-C2AD-C1DD-A1DA-B94A85C02590}" v="55" dt="2021-12-12T14:43:37.756"/>
-    <p1510:client id="{95C16F46-24E0-A70C-993F-633FBD6EEA0D}" v="169" dt="2021-12-07T10:17:20.444"/>
-    <p1510:client id="{BA990213-B3F1-6F0D-56A8-22E9440EFB5E}" v="189" dt="2021-11-23T16:17:51.400"/>
-    <p1510:client id="{C319C672-62C3-897C-1020-A7B4C4590BE4}" v="165" dt="2021-12-12T12:55:14.087"/>
   </p1510:revLst>
 </p1510:revInfo>
 </file>
@@ -4075,13 +4073,6 @@
                 <a:solidFill>
                   <a:schemeClr val="tx1"/>
                 </a:solidFill>
-                <a:effectLst>
-                  <a:outerShdw blurRad="38100" dist="19050" dir="2700000" algn="tl" rotWithShape="0">
-                    <a:schemeClr val="dk1">
-                      <a:alpha val="40000"/>
-                    </a:schemeClr>
-                  </a:outerShdw>
-                </a:effectLst>
                 <a:cs typeface="Calibri"/>
               </a:rPr>
               <a:t>Sensoren</a:t>
@@ -4091,13 +4082,6 @@
               <a:solidFill>
                 <a:schemeClr val="tx1"/>
               </a:solidFill>
-              <a:effectLst>
-                <a:outerShdw blurRad="38100" dist="19050" dir="2700000" algn="tl" rotWithShape="0">
-                  <a:schemeClr val="dk1">
-                    <a:alpha val="40000"/>
-                  </a:schemeClr>
-                </a:outerShdw>
-              </a:effectLst>
             </a:endParaRPr>
           </a:p>
         </p:txBody>
@@ -4216,13 +4200,6 @@
                 <a:solidFill>
                   <a:schemeClr val="tx1"/>
                 </a:solidFill>
-                <a:effectLst>
-                  <a:outerShdw blurRad="38100" dist="19050" dir="2700000" algn="tl" rotWithShape="0">
-                    <a:schemeClr val="dk1">
-                      <a:alpha val="40000"/>
-                    </a:schemeClr>
-                  </a:outerShdw>
-                </a:effectLst>
                 <a:cs typeface="Calibri"/>
               </a:rPr>
               <a:t>LEDs</a:t>
@@ -4287,13 +4264,6 @@
                 <a:solidFill>
                   <a:schemeClr val="tx1"/>
                 </a:solidFill>
-                <a:effectLst>
-                  <a:outerShdw blurRad="38100" dist="19050" dir="2700000" algn="tl" rotWithShape="0">
-                    <a:schemeClr val="dk1">
-                      <a:alpha val="40000"/>
-                    </a:schemeClr>
-                  </a:outerShdw>
-                </a:effectLst>
                 <a:cs typeface="Calibri"/>
               </a:rPr>
               <a:t>Webserver</a:t>
@@ -4348,7 +4318,7 @@
           </a:fontRef>
         </p:style>
         <p:txBody>
-          <a:bodyPr rtlCol="0" anchor="ctr"/>
+          <a:bodyPr lIns="91440" tIns="45720" rIns="91440" bIns="45720" rtlCol="0" anchor="ctr"/>
           <a:lstStyle/>
           <a:p>
             <a:pPr algn="ctr"/>
@@ -4358,41 +4328,16 @@
                 <a:solidFill>
                   <a:schemeClr val="tx1"/>
                 </a:solidFill>
-                <a:effectLst>
-                  <a:outerShdw blurRad="38100" dist="19050" dir="2700000" algn="tl" rotWithShape="0">
-                    <a:schemeClr val="dk1">
-                      <a:alpha val="40000"/>
-                    </a:schemeClr>
-                  </a:outerShdw>
-                </a:effectLst>
                 <a:cs typeface="Calibri"/>
               </a:rPr>
-              <a:t>Python</a:t>
-            </a:r>
-            <a:r>
-              <a:rPr lang="de-DE" dirty="0">
-                <a:cs typeface="Calibri"/>
-              </a:rPr>
-              <a:t> </a:t>
-            </a:r>
-            <a:r>
-              <a:rPr lang="de-DE" dirty="0">
-                <a:ln w="0"/>
-                <a:solidFill>
-                  <a:schemeClr val="tx1"/>
-                </a:solidFill>
-                <a:effectLst>
-                  <a:outerShdw blurRad="38100" dist="19050" dir="2700000" algn="tl" rotWithShape="0">
-                    <a:schemeClr val="dk1">
-                      <a:alpha val="40000"/>
-                    </a:schemeClr>
-                  </a:outerShdw>
-                </a:effectLst>
-                <a:cs typeface="Calibri"/>
-              </a:rPr>
-              <a:t>Programm</a:t>
-            </a:r>
-            <a:endParaRPr lang="de-DE" dirty="0"/>
+              <a:t>Python Client</a:t>
+            </a:r>
+            <a:endParaRPr lang="de-DE" dirty="0">
+              <a:solidFill>
+                <a:schemeClr val="tx1"/>
+              </a:solidFill>
+              <a:cs typeface="Calibri"/>
+            </a:endParaRPr>
           </a:p>
         </p:txBody>
       </p:sp>
@@ -4410,7 +4355,7 @@
         </p:nvSpPr>
         <p:spPr>
           <a:xfrm>
-            <a:off x="3378242" y="4615188"/>
+            <a:off x="8220987" y="4155733"/>
             <a:ext cx="1534438" cy="918575"/>
           </a:xfrm>
           <a:prstGeom prst="roundRect">
@@ -4445,26 +4390,29 @@
           </a:fontRef>
         </p:style>
         <p:txBody>
-          <a:bodyPr rtlCol="0" anchor="ctr"/>
+          <a:bodyPr lIns="91440" tIns="45720" rIns="91440" bIns="45720" rtlCol="0" anchor="ctr"/>
           <a:lstStyle/>
           <a:p>
             <a:pPr algn="ctr"/>
+            <a:r>
+              <a:rPr lang="de-DE" dirty="0" err="1">
+                <a:ln w="0"/>
+                <a:solidFill>
+                  <a:schemeClr val="tx1"/>
+                </a:solidFill>
+                <a:cs typeface="Calibri"/>
+              </a:rPr>
+              <a:t>Telegram</a:t>
+            </a:r>
             <a:r>
               <a:rPr lang="de-DE" dirty="0">
                 <a:ln w="0"/>
                 <a:solidFill>
                   <a:schemeClr val="tx1"/>
                 </a:solidFill>
-                <a:effectLst>
-                  <a:outerShdw blurRad="38100" dist="19050" dir="2700000" algn="tl" rotWithShape="0">
-                    <a:schemeClr val="dk1">
-                      <a:alpha val="40000"/>
-                    </a:schemeClr>
-                  </a:outerShdw>
-                </a:effectLst>
                 <a:cs typeface="Calibri"/>
               </a:rPr>
-              <a:t>Datenbank</a:t>
+              <a:t> Bot</a:t>
             </a:r>
             <a:endParaRPr lang="de-DE" dirty="0"/>
           </a:p>
@@ -4484,7 +4432,7 @@
         </p:nvSpPr>
         <p:spPr>
           <a:xfrm>
-            <a:off x="7278926" y="4611925"/>
+            <a:off x="8220988" y="5454170"/>
             <a:ext cx="1534437" cy="918575"/>
           </a:xfrm>
           <a:prstGeom prst="roundRect">
@@ -4529,13 +4477,6 @@
                 <a:solidFill>
                   <a:schemeClr val="tx1"/>
                 </a:solidFill>
-                <a:effectLst>
-                  <a:outerShdw blurRad="38100" dist="19050" dir="2700000" algn="tl" rotWithShape="0">
-                    <a:schemeClr val="dk1">
-                      <a:alpha val="40000"/>
-                    </a:schemeClr>
-                  </a:outerShdw>
-                </a:effectLst>
                 <a:cs typeface="Calibri"/>
               </a:rPr>
               <a:t>Website</a:t>
@@ -4590,63 +4531,20 @@
           </a:fontRef>
         </p:style>
         <p:txBody>
-          <a:bodyPr rtlCol="0" anchor="ctr"/>
+          <a:bodyPr lIns="91440" tIns="45720" rIns="91440" bIns="45720" rtlCol="0" anchor="ctr"/>
           <a:lstStyle/>
           <a:p>
             <a:pPr algn="ctr"/>
-            <a:r>
-              <a:rPr lang="de-DE" dirty="0" err="1">
-                <a:ln w="0"/>
-                <a:solidFill>
-                  <a:schemeClr val="tx1"/>
-                </a:solidFill>
-                <a:effectLst>
-                  <a:outerShdw blurRad="38100" dist="19050" dir="2700000" algn="tl" rotWithShape="0">
-                    <a:schemeClr val="dk1">
-                      <a:alpha val="40000"/>
-                    </a:schemeClr>
-                  </a:outerShdw>
-                </a:effectLst>
-                <a:cs typeface="Calibri"/>
-              </a:rPr>
-              <a:t>Telegram</a:t>
-            </a:r>
-            <a:r>
-              <a:rPr lang="de-DE" dirty="0">
-                <a:cs typeface="Calibri"/>
-              </a:rPr>
-              <a:t> </a:t>
-            </a:r>
             <a:r>
               <a:rPr lang="de-DE" dirty="0">
                 <a:ln w="0"/>
                 <a:solidFill>
                   <a:schemeClr val="tx1"/>
                 </a:solidFill>
-                <a:effectLst>
-                  <a:outerShdw blurRad="38100" dist="19050" dir="2700000" algn="tl" rotWithShape="0">
-                    <a:schemeClr val="dk1">
-                      <a:alpha val="40000"/>
-                    </a:schemeClr>
-                  </a:outerShdw>
-                </a:effectLst>
                 <a:cs typeface="Calibri"/>
               </a:rPr>
-              <a:t>Bot</a:t>
-            </a:r>
-            <a:endParaRPr lang="de-DE" dirty="0">
-              <a:ln w="0"/>
-              <a:solidFill>
-                <a:schemeClr val="tx1"/>
-              </a:solidFill>
-              <a:effectLst>
-                <a:outerShdw blurRad="38100" dist="19050" dir="2700000" algn="tl" rotWithShape="0">
-                  <a:schemeClr val="dk1">
-                    <a:alpha val="40000"/>
-                  </a:schemeClr>
-                </a:outerShdw>
-              </a:effectLst>
-            </a:endParaRPr>
+              <a:t>Datenbank</a:t>
+            </a:r>
           </a:p>
         </p:txBody>
       </p:sp>
@@ -4796,42 +4694,6 @@
       </p:cxnSp>
       <p:cxnSp>
         <p:nvCxnSpPr>
-          <p:cNvPr id="22" name="Gerade Verbindung mit Pfeil 21"/>
-          <p:cNvCxnSpPr>
-            <a:stCxn id="8" idx="3"/>
-            <a:endCxn id="10" idx="1"/>
-          </p:cNvCxnSpPr>
-          <p:nvPr/>
-        </p:nvCxnSpPr>
-        <p:spPr>
-          <a:xfrm>
-            <a:off x="6860609" y="4618451"/>
-            <a:ext cx="418317" cy="452762"/>
-          </a:xfrm>
-          <a:prstGeom prst="straightConnector1">
-            <a:avLst/>
-          </a:prstGeom>
-          <a:ln w="31750">
-            <a:tailEnd type="triangle"/>
-          </a:ln>
-        </p:spPr>
-        <p:style>
-          <a:lnRef idx="3">
-            <a:schemeClr val="accent2"/>
-          </a:lnRef>
-          <a:fillRef idx="0">
-            <a:schemeClr val="accent2"/>
-          </a:fillRef>
-          <a:effectRef idx="2">
-            <a:schemeClr val="accent2"/>
-          </a:effectRef>
-          <a:fontRef idx="minor">
-            <a:schemeClr val="tx1"/>
-          </a:fontRef>
-        </p:style>
-      </p:cxnSp>
-      <p:cxnSp>
-        <p:nvCxnSpPr>
           <p:cNvPr id="24" name="Gerade Verbindung mit Pfeil 23"/>
           <p:cNvCxnSpPr>
             <a:stCxn id="8" idx="2"/>
@@ -4870,15 +4732,58 @@
         <p:nvCxnSpPr>
           <p:cNvPr id="26" name="Gerade Verbindung mit Pfeil 25"/>
           <p:cNvCxnSpPr>
-            <a:stCxn id="8" idx="1"/>
-            <a:endCxn id="9" idx="3"/>
+            <a:cxnSpLocks/>
+            <a:stCxn id="8" idx="3"/>
+            <a:endCxn id="9" idx="1"/>
           </p:cNvCxnSpPr>
           <p:nvPr/>
         </p:nvCxnSpPr>
         <p:spPr>
-          <a:xfrm flipH="1">
-            <a:off x="4912680" y="4618451"/>
-            <a:ext cx="413491" cy="456025"/>
+          <a:xfrm flipV="1">
+            <a:off x="6860609" y="4615021"/>
+            <a:ext cx="1360378" cy="3430"/>
+          </a:xfrm>
+          <a:prstGeom prst="straightConnector1">
+            <a:avLst/>
+          </a:prstGeom>
+          <a:ln w="31750">
+            <a:tailEnd type="triangle"/>
+          </a:ln>
+        </p:spPr>
+        <p:style>
+          <a:lnRef idx="3">
+            <a:schemeClr val="accent2"/>
+          </a:lnRef>
+          <a:fillRef idx="0">
+            <a:schemeClr val="accent2"/>
+          </a:fillRef>
+          <a:effectRef idx="2">
+            <a:schemeClr val="accent2"/>
+          </a:effectRef>
+          <a:fontRef idx="minor">
+            <a:schemeClr val="tx1"/>
+          </a:fontRef>
+        </p:style>
+      </p:cxnSp>
+      <p:cxnSp>
+        <p:nvCxnSpPr>
+          <p:cNvPr id="12" name="Gerade Verbindung mit Pfeil 11">
+            <a:extLst>
+              <a:ext uri="{FF2B5EF4-FFF2-40B4-BE49-F238E27FC236}">
+                <a16:creationId xmlns:a16="http://schemas.microsoft.com/office/drawing/2014/main" id="{3BE13196-EE3E-4F0B-B5E1-29D733C08FFD}"/>
+              </a:ext>
+            </a:extLst>
+          </p:cNvPr>
+          <p:cNvCxnSpPr>
+            <a:stCxn id="11" idx="3"/>
+            <a:endCxn id="10" idx="1"/>
+          </p:cNvCxnSpPr>
+          <p:nvPr/>
+        </p:nvCxnSpPr>
+        <p:spPr>
+          <a:xfrm>
+            <a:off x="6858127" y="5913170"/>
+            <a:ext cx="1362861" cy="288"/>
           </a:xfrm>
           <a:prstGeom prst="straightConnector1">
             <a:avLst/>
@@ -5179,7 +5084,7 @@
         </p:blipFill>
         <p:spPr>
           <a:xfrm>
-            <a:off x="4143724" y="5438436"/>
+            <a:off x="3908335" y="5080978"/>
             <a:ext cx="3895060" cy="805652"/>
           </a:xfrm>
           <a:prstGeom prst="rect">
@@ -5286,6 +5191,14 @@
                 <a:cs typeface="Calibri"/>
               </a:rPr>
               <a:t>Bibliotheken erleichtern das Programmieren sehr</a:t>
+            </a:r>
+          </a:p>
+          <a:p>
+            <a:r>
+              <a:rPr lang="de-DE" dirty="0">
+                <a:cs typeface="Calibri"/>
+              </a:rPr>
+              <a:t>Versionsverwaltung mit GitHub</a:t>
             </a:r>
           </a:p>
           <a:p>
@@ -5638,6 +5551,15 @@
 </file>
 
 <file path=customXml/item1.xml><?xml version="1.0" encoding="utf-8"?>
+<?mso-contentType ?>
+<FormTemplates xmlns="http://schemas.microsoft.com/sharepoint/v3/contenttype/forms">
+  <Display>DocumentLibraryForm</Display>
+  <Edit>DocumentLibraryForm</Edit>
+  <New>DocumentLibraryForm</New>
+</FormTemplates>
+</file>
+
+<file path=customXml/item2.xml><?xml version="1.0" encoding="utf-8"?>
 <ct:contentTypeSchema xmlns:ct="http://schemas.microsoft.com/office/2006/metadata/contentType" xmlns:ma="http://schemas.microsoft.com/office/2006/metadata/properties/metaAttributes" ct:_="" ma:_="" ma:contentTypeName="Dokument" ma:contentTypeID="0x010100264C8EB3055FA54796DE1FFC0DE45F44" ma:contentTypeVersion="7" ma:contentTypeDescription="Ein neues Dokument erstellen." ma:contentTypeScope="" ma:versionID="167d7bafdca281fb53a2dd39922b6818">
   <xsd:schema xmlns:xsd="http://www.w3.org/2001/XMLSchema" xmlns:xs="http://www.w3.org/2001/XMLSchema" xmlns:p="http://schemas.microsoft.com/office/2006/metadata/properties" xmlns:ns3="1726f865-626c-4861-b8e8-93aa7dc626fe" xmlns:ns4="fd0f08c4-ff57-49ea-a7fc-c25b79896438" targetNamespace="http://schemas.microsoft.com/office/2006/metadata/properties" ma:root="true" ma:fieldsID="aa1911b1ad9ad32edb2cfa1e3b068215" ns3:_="" ns4:_="">
     <xsd:import namespace="1726f865-626c-4861-b8e8-93aa7dc626fe"/>
@@ -5822,22 +5744,21 @@
 </ct:contentTypeSchema>
 </file>
 
-<file path=customXml/item2.xml><?xml version="1.0" encoding="utf-8"?>
+<file path=customXml/item3.xml><?xml version="1.0" encoding="utf-8"?>
 <p:properties xmlns:p="http://schemas.microsoft.com/office/2006/metadata/properties" xmlns:xsi="http://www.w3.org/2001/XMLSchema-instance" xmlns:pc="http://schemas.microsoft.com/office/infopath/2007/PartnerControls">
   <documentManagement/>
 </p:properties>
 </file>
 
-<file path=customXml/item3.xml><?xml version="1.0" encoding="utf-8"?>
-<?mso-contentType ?>
-<FormTemplates xmlns="http://schemas.microsoft.com/sharepoint/v3/contenttype/forms">
-  <Display>DocumentLibraryForm</Display>
-  <Edit>DocumentLibraryForm</Edit>
-  <New>DocumentLibraryForm</New>
-</FormTemplates>
+<file path=customXml/itemProps1.xml><?xml version="1.0" encoding="utf-8"?>
+<ds:datastoreItem xmlns:ds="http://schemas.openxmlformats.org/officeDocument/2006/customXml" ds:itemID="{B503337B-8997-493D-8FF9-D09017AA9E26}">
+  <ds:schemaRefs>
+    <ds:schemaRef ds:uri="http://schemas.microsoft.com/sharepoint/v3/contenttype/forms"/>
+  </ds:schemaRefs>
+</ds:datastoreItem>
 </file>
 
-<file path=customXml/itemProps1.xml><?xml version="1.0" encoding="utf-8"?>
+<file path=customXml/itemProps2.xml><?xml version="1.0" encoding="utf-8"?>
 <ds:datastoreItem xmlns:ds="http://schemas.openxmlformats.org/officeDocument/2006/customXml" ds:itemID="{AC04ADF5-9244-4F46-9821-E8BB80898D0B}">
   <ds:schemaRefs>
     <ds:schemaRef ds:uri="1726f865-626c-4861-b8e8-93aa7dc626fe"/>
@@ -5856,27 +5777,19 @@
 </ds:datastoreItem>
 </file>
 
-<file path=customXml/itemProps2.xml><?xml version="1.0" encoding="utf-8"?>
+<file path=customXml/itemProps3.xml><?xml version="1.0" encoding="utf-8"?>
 <ds:datastoreItem xmlns:ds="http://schemas.openxmlformats.org/officeDocument/2006/customXml" ds:itemID="{B20D4E21-493D-4CE9-85F9-D256A2526DAD}">
   <ds:schemaRefs>
+    <ds:schemaRef ds:uri="http://purl.org/dc/dcmitype/"/>
+    <ds:schemaRef ds:uri="http://schemas.microsoft.com/office/2006/metadata/properties"/>
+    <ds:schemaRef ds:uri="http://schemas.microsoft.com/office/2006/documentManagement/types"/>
     <ds:schemaRef ds:uri="http://purl.org/dc/terms/"/>
+    <ds:schemaRef ds:uri="http://purl.org/dc/elements/1.1/"/>
     <ds:schemaRef ds:uri="http://schemas.openxmlformats.org/package/2006/metadata/core-properties"/>
+    <ds:schemaRef ds:uri="http://www.w3.org/XML/1998/namespace"/>
+    <ds:schemaRef ds:uri="fd0f08c4-ff57-49ea-a7fc-c25b79896438"/>
+    <ds:schemaRef ds:uri="http://schemas.microsoft.com/office/infopath/2007/PartnerControls"/>
     <ds:schemaRef ds:uri="1726f865-626c-4861-b8e8-93aa7dc626fe"/>
-    <ds:schemaRef ds:uri="http://purl.org/dc/dcmitype/"/>
-    <ds:schemaRef ds:uri="http://schemas.microsoft.com/office/infopath/2007/PartnerControls"/>
-    <ds:schemaRef ds:uri="fd0f08c4-ff57-49ea-a7fc-c25b79896438"/>
-    <ds:schemaRef ds:uri="http://purl.org/dc/elements/1.1/"/>
-    <ds:schemaRef ds:uri="http://schemas.microsoft.com/office/2006/documentManagement/types"/>
-    <ds:schemaRef ds:uri="http://schemas.microsoft.com/office/2006/metadata/properties"/>
-    <ds:schemaRef ds:uri="http://www.w3.org/XML/1998/namespace"/>
-  </ds:schemaRefs>
-</ds:datastoreItem>
-</file>
-
-<file path=customXml/itemProps3.xml><?xml version="1.0" encoding="utf-8"?>
-<ds:datastoreItem xmlns:ds="http://schemas.openxmlformats.org/officeDocument/2006/customXml" ds:itemID="{B503337B-8997-493D-8FF9-D09017AA9E26}">
-  <ds:schemaRefs>
-    <ds:schemaRef ds:uri="http://schemas.microsoft.com/sharepoint/v3/contenttype/forms"/>
   </ds:schemaRefs>
 </ds:datastoreItem>
 </file>